--- a/modules/week05/slides-05-triggers.pptx
+++ b/modules/week05/slides-05-triggers.pptx
@@ -32,29 +32,22 @@
       <p:italic r:id="rId15"/>
     </p:embeddedFont>
     <p:embeddedFont>
-      <p:font typeface="Calibri" panose="020F0502020204030204" pitchFamily="34" charset="0"/>
+      <p:font typeface="Century Gothic" panose="020B0502020202020204" pitchFamily="34" charset="0"/>
       <p:regular r:id="rId16"/>
       <p:bold r:id="rId17"/>
       <p:italic r:id="rId18"/>
       <p:boldItalic r:id="rId19"/>
     </p:embeddedFont>
     <p:embeddedFont>
-      <p:font typeface="Century Gothic" panose="020B0502020202020204" pitchFamily="34" charset="0"/>
+      <p:font typeface="Lobster" pitchFamily="2" charset="77"/>
       <p:regular r:id="rId20"/>
-      <p:bold r:id="rId21"/>
-      <p:italic r:id="rId22"/>
-      <p:boldItalic r:id="rId23"/>
-    </p:embeddedFont>
-    <p:embeddedFont>
-      <p:font typeface="Lobster" pitchFamily="2" charset="77"/>
-      <p:regular r:id="rId24"/>
     </p:embeddedFont>
     <p:embeddedFont>
       <p:font typeface="Nunito Sans" pitchFamily="2" charset="77"/>
-      <p:regular r:id="rId25"/>
-      <p:bold r:id="rId26"/>
-      <p:italic r:id="rId27"/>
-      <p:boldItalic r:id="rId28"/>
+      <p:regular r:id="rId21"/>
+      <p:bold r:id="rId22"/>
+      <p:italic r:id="rId23"/>
+      <p:boldItalic r:id="rId24"/>
     </p:embeddedFont>
   </p:embeddedFontLst>
   <p:defaultTextStyle>
@@ -15963,7 +15956,7 @@
         <p:spPr/>
         <p:txBody>
           <a:bodyPr>
-            <a:normAutofit fontScale="92500" lnSpcReduction="20000"/>
+            <a:normAutofit/>
           </a:bodyPr>
           <a:lstStyle/>
           <a:p>
@@ -15972,24 +15965,6 @@
                 <a:latin typeface="Avenir Book" panose="02000503020000020003" pitchFamily="2" charset="0"/>
               </a:rPr>
               <a:t>The problem: SQLite imports empty CSV cells as empty strings, not NULLs which is what we want</a:t>
-            </a:r>
-          </a:p>
-          <a:p>
-            <a:r>
-              <a:rPr lang="en-US" dirty="0">
-                <a:latin typeface="Avenir Book" panose="02000503020000020003" pitchFamily="2" charset="0"/>
-              </a:rPr>
-              <a:t>(N.B.: to avoid primary/foreign key problems we’ll work in table new_species, a fresh import of species.csv:</a:t>
-            </a:r>
-          </a:p>
-          <a:p>
-            <a:pPr lvl="1"/>
-            <a:r>
-              <a:rPr lang="en-US" dirty="0">
-                <a:latin typeface="Courier New" panose="02070309020205020404" pitchFamily="49" charset="0"/>
-                <a:cs typeface="Courier New" panose="02070309020205020404" pitchFamily="49" charset="0"/>
-              </a:rPr>
-              <a:t>.import --csv species.csv new_species</a:t>
             </a:r>
           </a:p>
           <a:p>
@@ -16006,7 +15981,7 @@
               <a:rPr lang="en-US" dirty="0">
                 <a:latin typeface="Avenir Book" panose="02000503020000020003" pitchFamily="2" charset="0"/>
               </a:rPr>
-              <a:t>“After a row is inserted in new_species, update the new_species table to change Scientific_name to NULL if it is an empty string”</a:t>
+              <a:t>“After a row is inserted in Species, update the Species table to change Scientific_name to NULL if it is an empty string”</a:t>
             </a:r>
           </a:p>
           <a:p>
@@ -16024,7 +15999,14 @@
                 <a:latin typeface="Courier New" panose="02070309020205020404" pitchFamily="49" charset="0"/>
                 <a:cs typeface="Courier New" panose="02070309020205020404" pitchFamily="49" charset="0"/>
               </a:rPr>
-              <a:t>CREATE TRIGGER update_new_species_table</a:t>
+              <a:t>CREATE TRIGGER </a:t>
+            </a:r>
+            <a:r>
+              <a:rPr lang="en-US" dirty="0" err="1">
+                <a:latin typeface="Courier New" panose="02070309020205020404" pitchFamily="49" charset="0"/>
+                <a:cs typeface="Courier New" panose="02070309020205020404" pitchFamily="49" charset="0"/>
+              </a:rPr>
+              <a:t>Update_species</a:t>
             </a:r>
             <a:br>
               <a:rPr lang="en-US" dirty="0">
@@ -16037,7 +16019,7 @@
                 <a:latin typeface="Courier New" panose="02070309020205020404" pitchFamily="49" charset="0"/>
                 <a:cs typeface="Courier New" panose="02070309020205020404" pitchFamily="49" charset="0"/>
               </a:rPr>
-              <a:t>AFTER INSERT ON new_species</a:t>
+              <a:t>AFTER INSERT ON Species</a:t>
             </a:r>
             <a:br>
               <a:rPr lang="en-US" dirty="0">
@@ -17337,7 +17319,7 @@
           <a:p>
             <a:r>
               <a:rPr lang="en-US" sz="1600" b="1" dirty="0"/>
-              <a:t>new_species</a:t>
+              <a:t>Species</a:t>
             </a:r>
           </a:p>
         </p:txBody>
@@ -17444,7 +17426,7 @@
                 <a:latin typeface="Courier New" panose="02070309020205020404" pitchFamily="49" charset="0"/>
                 <a:cs typeface="Courier New" panose="02070309020205020404" pitchFamily="49" charset="0"/>
               </a:rPr>
-              <a:t>UPDATE new_species</a:t>
+              <a:t>UPDATE Species</a:t>
             </a:r>
             <a:br>
               <a:rPr lang="en-US" dirty="0">
@@ -17636,7 +17618,7 @@
                 <a:latin typeface="Courier New" panose="02070309020205020404" pitchFamily="49" charset="0"/>
                 <a:cs typeface="Courier New" panose="02070309020205020404" pitchFamily="49" charset="0"/>
               </a:rPr>
-              <a:t>UPDATE new_species</a:t>
+              <a:t>UPDATE Species</a:t>
             </a:r>
             <a:br>
               <a:rPr lang="en-US" dirty="0">
@@ -17898,7 +17880,7 @@
               <a:rPr lang="en-US" dirty="0">
                 <a:latin typeface="Avenir Book" panose="02000503020000020003" pitchFamily="2" charset="0"/>
               </a:rPr>
-              <a:t>As was mentioned in class, this will work just fine, too:</a:t>
+              <a:t>This will work just fine, too:</a:t>
             </a:r>
             <a:br>
               <a:rPr lang="en-US" dirty="0">
@@ -17906,11 +17888,11 @@
               </a:rPr>
             </a:br>
             <a:r>
-              <a:rPr lang="en-US" dirty="0">
+              <a:rPr lang="en-US">
                 <a:latin typeface="Courier New" panose="02070309020205020404" pitchFamily="49" charset="0"/>
                 <a:cs typeface="Courier New" panose="02070309020205020404" pitchFamily="49" charset="0"/>
               </a:rPr>
-              <a:t>UPDATE new_species</a:t>
+              <a:t>UPDATE Species</a:t>
             </a:r>
             <a:br>
               <a:rPr lang="en-US" dirty="0">
